--- a/release/웹캠녹화매뉴얼_Handalab_ver1.1.pptx
+++ b/release/웹캠녹화매뉴얼_Handalab_ver1.1.pptx
@@ -686,7 +686,7 @@
           <a:p>
             <a:fld id="{DED9F9E5-8158-4F02-B855-D411F4B04597}" type="datetimeFigureOut">
               <a:rPr lang="ko-KR" altLang="en-US" smtClean="0"/>
-              <a:t>2025-07-24</a:t>
+              <a:t>2025-07-25</a:t>
             </a:fld>
             <a:endParaRPr lang="ko-KR" altLang="en-US"/>
           </a:p>
@@ -864,7 +864,7 @@
           <a:p>
             <a:fld id="{91937E2C-5AA9-42AD-8914-CBB6D8D94BC2}" type="datetimeFigureOut">
               <a:rPr lang="ko-KR" altLang="en-US" smtClean="0"/>
-              <a:t>2025-07-24</a:t>
+              <a:t>2025-07-25</a:t>
             </a:fld>
             <a:endParaRPr lang="ko-KR" altLang="en-US"/>
           </a:p>
@@ -1263,7 +1263,7 @@
           <a:p>
             <a:fld id="{3BBD4A99-3E29-4CF9-A8B2-103D880EA0F1}" type="datetime1">
               <a:rPr lang="ko-KR" altLang="en-US" smtClean="0"/>
-              <a:t>2025-07-24</a:t>
+              <a:t>2025-07-25</a:t>
             </a:fld>
             <a:endParaRPr lang="ko-KR" altLang="en-US"/>
           </a:p>
@@ -1437,7 +1437,7 @@
           <a:p>
             <a:fld id="{2EB6240E-DEED-428A-864A-16C044F39328}" type="datetime1">
               <a:rPr lang="ko-KR" altLang="en-US" smtClean="0"/>
-              <a:t>2025-07-24</a:t>
+              <a:t>2025-07-25</a:t>
             </a:fld>
             <a:endParaRPr lang="ko-KR" altLang="en-US"/>
           </a:p>
@@ -1621,7 +1621,7 @@
           <a:p>
             <a:fld id="{F1FA135F-4B74-4A67-B65A-7367A8A9779E}" type="datetime1">
               <a:rPr lang="ko-KR" altLang="en-US" smtClean="0"/>
-              <a:t>2025-07-24</a:t>
+              <a:t>2025-07-25</a:t>
             </a:fld>
             <a:endParaRPr lang="ko-KR" altLang="en-US"/>
           </a:p>
@@ -1795,7 +1795,7 @@
           <a:p>
             <a:fld id="{30D3ED70-1DD8-4173-BF4A-D1349B88412C}" type="datetime1">
               <a:rPr lang="ko-KR" altLang="en-US" smtClean="0"/>
-              <a:t>2025-07-24</a:t>
+              <a:t>2025-07-25</a:t>
             </a:fld>
             <a:endParaRPr lang="ko-KR" altLang="en-US"/>
           </a:p>
@@ -2043,7 +2043,7 @@
           <a:p>
             <a:fld id="{5CA1A651-F30F-4298-8F48-7DA4CAB41E8A}" type="datetime1">
               <a:rPr lang="ko-KR" altLang="en-US" smtClean="0"/>
-              <a:t>2025-07-24</a:t>
+              <a:t>2025-07-25</a:t>
             </a:fld>
             <a:endParaRPr lang="ko-KR" altLang="en-US"/>
           </a:p>
@@ -2279,7 +2279,7 @@
           <a:p>
             <a:fld id="{7E374028-334D-4FBC-B5C5-2D30C7CF9850}" type="datetime1">
               <a:rPr lang="ko-KR" altLang="en-US" smtClean="0"/>
-              <a:t>2025-07-24</a:t>
+              <a:t>2025-07-25</a:t>
             </a:fld>
             <a:endParaRPr lang="ko-KR" altLang="en-US"/>
           </a:p>
@@ -2650,7 +2650,7 @@
           <a:p>
             <a:fld id="{A56228C5-16BC-4D84-A510-D8AABD8B6AA8}" type="datetime1">
               <a:rPr lang="ko-KR" altLang="en-US" smtClean="0"/>
-              <a:t>2025-07-24</a:t>
+              <a:t>2025-07-25</a:t>
             </a:fld>
             <a:endParaRPr lang="ko-KR" altLang="en-US"/>
           </a:p>
@@ -2772,7 +2772,7 @@
           <a:p>
             <a:fld id="{B582AE44-4191-43BC-83D0-60547AD8665D}" type="datetime1">
               <a:rPr lang="ko-KR" altLang="en-US" smtClean="0"/>
-              <a:t>2025-07-24</a:t>
+              <a:t>2025-07-25</a:t>
             </a:fld>
             <a:endParaRPr lang="ko-KR" altLang="en-US"/>
           </a:p>
@@ -2871,7 +2871,7 @@
           <a:p>
             <a:fld id="{8A7541C4-92EE-43CD-A56E-1C75B76FC6FD}" type="datetime1">
               <a:rPr lang="ko-KR" altLang="en-US" smtClean="0"/>
-              <a:t>2025-07-24</a:t>
+              <a:t>2025-07-25</a:t>
             </a:fld>
             <a:endParaRPr lang="ko-KR" altLang="en-US"/>
           </a:p>
@@ -3152,7 +3152,7 @@
           <a:p>
             <a:fld id="{B0F21559-FC0C-45B1-BCC6-CE434398669F}" type="datetime1">
               <a:rPr lang="ko-KR" altLang="en-US" smtClean="0"/>
-              <a:t>2025-07-24</a:t>
+              <a:t>2025-07-25</a:t>
             </a:fld>
             <a:endParaRPr lang="ko-KR" altLang="en-US"/>
           </a:p>
@@ -3413,7 +3413,7 @@
           <a:p>
             <a:fld id="{32E3FA79-0C20-4CA0-9E08-FC741FF1D189}" type="datetime1">
               <a:rPr lang="ko-KR" altLang="en-US" smtClean="0"/>
-              <a:t>2025-07-24</a:t>
+              <a:t>2025-07-25</a:t>
             </a:fld>
             <a:endParaRPr lang="ko-KR" altLang="en-US"/>
           </a:p>
@@ -3630,7 +3630,7 @@
           <a:p>
             <a:fld id="{9083445D-6E59-4949-92D9-8ED9B8D74C07}" type="datetime1">
               <a:rPr lang="ko-KR" altLang="en-US" smtClean="0"/>
-              <a:t>2025-07-24</a:t>
+              <a:t>2025-07-25</a:t>
             </a:fld>
             <a:endParaRPr lang="ko-KR" altLang="en-US"/>
           </a:p>
@@ -7549,7 +7549,7 @@
         <p:spPr>
           <a:xfrm>
             <a:off x="425442" y="1154024"/>
-            <a:ext cx="8429309" cy="1338828"/>
+            <a:ext cx="8429309" cy="1200329"/>
           </a:xfrm>
           <a:prstGeom prst="rect">
             <a:avLst/>
@@ -7711,23 +7711,6 @@
                 <a:latin typeface="+mn-ea"/>
               </a:rPr>
               <a:t>모드버스 워드</a:t>
-            </a:r>
-            <a:endParaRPr lang="en-US" altLang="ko-KR" sz="900" dirty="0">
-              <a:latin typeface="+mn-ea"/>
-            </a:endParaRPr>
-          </a:p>
-          <a:p>
-            <a:r>
-              <a:rPr lang="en-US" altLang="ko-KR" sz="900" dirty="0">
-                <a:latin typeface="+mn-ea"/>
-              </a:rPr>
-              <a:t>PATH_ : </a:t>
-            </a:r>
-            <a:r>
-              <a:rPr lang="ko-KR" altLang="en-US" sz="900" dirty="0">
-                <a:latin typeface="+mn-ea"/>
-              </a:rPr>
-              <a:t>제공된 모듈 폴더의 경로</a:t>
             </a:r>
             <a:endParaRPr lang="en-US" altLang="ko-KR" sz="900" dirty="0">
               <a:latin typeface="+mn-ea"/>
@@ -7794,109 +7777,6 @@
           </a:p>
         </p:txBody>
       </p:sp>
-      <p:grpSp>
-        <p:nvGrpSpPr>
-          <p:cNvPr id="9" name="그룹 8">
-            <a:extLst>
-              <a:ext uri="{FF2B5EF4-FFF2-40B4-BE49-F238E27FC236}">
-                <a16:creationId xmlns:a16="http://schemas.microsoft.com/office/drawing/2014/main" id="{D825C1C2-308E-1B0C-EA71-066B37DAF1B6}"/>
-              </a:ext>
-            </a:extLst>
-          </p:cNvPr>
-          <p:cNvGrpSpPr/>
-          <p:nvPr/>
-        </p:nvGrpSpPr>
-        <p:grpSpPr>
-          <a:xfrm>
-            <a:off x="3281363" y="2506848"/>
-            <a:ext cx="3354126" cy="3414952"/>
-            <a:chOff x="3216333" y="2333595"/>
-            <a:chExt cx="3484185" cy="3547370"/>
-          </a:xfrm>
-        </p:grpSpPr>
-        <p:pic>
-          <p:nvPicPr>
-            <p:cNvPr id="8" name="그림 7">
-              <a:extLst>
-                <a:ext uri="{FF2B5EF4-FFF2-40B4-BE49-F238E27FC236}">
-                  <a16:creationId xmlns:a16="http://schemas.microsoft.com/office/drawing/2014/main" id="{F24B02AB-2351-1D4D-32A6-1E6E0FBFA1F6}"/>
-                </a:ext>
-              </a:extLst>
-            </p:cNvPr>
-            <p:cNvPicPr>
-              <a:picLocks noChangeAspect="1"/>
-            </p:cNvPicPr>
-            <p:nvPr/>
-          </p:nvPicPr>
-          <p:blipFill>
-            <a:blip r:embed="rId3"/>
-            <a:stretch>
-              <a:fillRect/>
-            </a:stretch>
-          </p:blipFill>
-          <p:spPr>
-            <a:xfrm>
-              <a:off x="3216333" y="2333595"/>
-              <a:ext cx="3484185" cy="3547370"/>
-            </a:xfrm>
-            <a:prstGeom prst="rect">
-              <a:avLst/>
-            </a:prstGeom>
-          </p:spPr>
-        </p:pic>
-        <p:sp>
-          <p:nvSpPr>
-            <p:cNvPr id="18" name="직사각형 17">
-              <a:extLst>
-                <a:ext uri="{FF2B5EF4-FFF2-40B4-BE49-F238E27FC236}">
-                  <a16:creationId xmlns:a16="http://schemas.microsoft.com/office/drawing/2014/main" id="{BF431A75-0081-7B66-0064-3236F2501C48}"/>
-                </a:ext>
-              </a:extLst>
-            </p:cNvPr>
-            <p:cNvSpPr/>
-            <p:nvPr/>
-          </p:nvSpPr>
-          <p:spPr>
-            <a:xfrm>
-              <a:off x="3216333" y="2354353"/>
-              <a:ext cx="3484185" cy="1321908"/>
-            </a:xfrm>
-            <a:prstGeom prst="rect">
-              <a:avLst/>
-            </a:prstGeom>
-            <a:noFill/>
-            <a:ln w="28575">
-              <a:solidFill>
-                <a:srgbClr val="EA1616"/>
-              </a:solidFill>
-            </a:ln>
-          </p:spPr>
-          <p:style>
-            <a:lnRef idx="2">
-              <a:schemeClr val="accent1">
-                <a:shade val="15000"/>
-              </a:schemeClr>
-            </a:lnRef>
-            <a:fillRef idx="1">
-              <a:schemeClr val="accent1"/>
-            </a:fillRef>
-            <a:effectRef idx="0">
-              <a:schemeClr val="accent1"/>
-            </a:effectRef>
-            <a:fontRef idx="minor">
-              <a:schemeClr val="lt1"/>
-            </a:fontRef>
-          </p:style>
-          <p:txBody>
-            <a:bodyPr rtlCol="0" anchor="ctr"/>
-            <a:lstStyle/>
-            <a:p>
-              <a:pPr algn="ctr"/>
-              <a:endParaRPr lang="ko-KR" altLang="en-US"/>
-            </a:p>
-          </p:txBody>
-        </p:sp>
-      </p:grpSp>
       <p:sp>
         <p:nvSpPr>
           <p:cNvPr id="19" name="TextBox 18">
@@ -7937,6 +7817,88 @@
               </a:rPr>
               <a:t>운용 매뉴얼</a:t>
             </a:r>
+          </a:p>
+        </p:txBody>
+      </p:sp>
+      <p:pic>
+        <p:nvPicPr>
+          <p:cNvPr id="12" name="그림 11">
+            <a:extLst>
+              <a:ext uri="{FF2B5EF4-FFF2-40B4-BE49-F238E27FC236}">
+                <a16:creationId xmlns:a16="http://schemas.microsoft.com/office/drawing/2014/main" id="{6347EA69-75A6-13E1-5DB5-3924E3BAEAED}"/>
+              </a:ext>
+            </a:extLst>
+          </p:cNvPr>
+          <p:cNvPicPr>
+            <a:picLocks noChangeAspect="1"/>
+          </p:cNvPicPr>
+          <p:nvPr/>
+        </p:nvPicPr>
+        <p:blipFill>
+          <a:blip r:embed="rId3"/>
+          <a:stretch>
+            <a:fillRect/>
+          </a:stretch>
+        </p:blipFill>
+        <p:spPr>
+          <a:xfrm>
+            <a:off x="3327967" y="2526831"/>
+            <a:ext cx="3250066" cy="3574060"/>
+          </a:xfrm>
+          <a:prstGeom prst="rect">
+            <a:avLst/>
+          </a:prstGeom>
+        </p:spPr>
+      </p:pic>
+      <p:sp>
+        <p:nvSpPr>
+          <p:cNvPr id="18" name="직사각형 17">
+            <a:extLst>
+              <a:ext uri="{FF2B5EF4-FFF2-40B4-BE49-F238E27FC236}">
+                <a16:creationId xmlns:a16="http://schemas.microsoft.com/office/drawing/2014/main" id="{BF431A75-0081-7B66-0064-3236F2501C48}"/>
+              </a:ext>
+            </a:extLst>
+          </p:cNvPr>
+          <p:cNvSpPr/>
+          <p:nvPr/>
+        </p:nvSpPr>
+        <p:spPr>
+          <a:xfrm>
+            <a:off x="3300025" y="2536702"/>
+            <a:ext cx="3296670" cy="1279518"/>
+          </a:xfrm>
+          <a:prstGeom prst="rect">
+            <a:avLst/>
+          </a:prstGeom>
+          <a:noFill/>
+          <a:ln w="28575">
+            <a:solidFill>
+              <a:srgbClr val="EA1616"/>
+            </a:solidFill>
+          </a:ln>
+        </p:spPr>
+        <p:style>
+          <a:lnRef idx="2">
+            <a:schemeClr val="accent1">
+              <a:shade val="15000"/>
+            </a:schemeClr>
+          </a:lnRef>
+          <a:fillRef idx="1">
+            <a:schemeClr val="accent1"/>
+          </a:fillRef>
+          <a:effectRef idx="0">
+            <a:schemeClr val="accent1"/>
+          </a:effectRef>
+          <a:fontRef idx="minor">
+            <a:schemeClr val="lt1"/>
+          </a:fontRef>
+        </p:style>
+        <p:txBody>
+          <a:bodyPr rtlCol="0" anchor="ctr"/>
+          <a:lstStyle/>
+          <a:p>
+            <a:pPr algn="ctr"/>
+            <a:endParaRPr lang="ko-KR" altLang="en-US"/>
           </a:p>
         </p:txBody>
       </p:sp>
@@ -7976,6 +7938,36 @@
           <a:chExt cx="0" cy="0"/>
         </a:xfrm>
       </p:grpSpPr>
+      <p:pic>
+        <p:nvPicPr>
+          <p:cNvPr id="7" name="그림 6">
+            <a:extLst>
+              <a:ext uri="{FF2B5EF4-FFF2-40B4-BE49-F238E27FC236}">
+                <a16:creationId xmlns:a16="http://schemas.microsoft.com/office/drawing/2014/main" id="{A8266D91-BE5A-5981-C5F7-EF286D72E740}"/>
+              </a:ext>
+            </a:extLst>
+          </p:cNvPr>
+          <p:cNvPicPr>
+            <a:picLocks noChangeAspect="1"/>
+          </p:cNvPicPr>
+          <p:nvPr/>
+        </p:nvPicPr>
+        <p:blipFill>
+          <a:blip r:embed="rId2"/>
+          <a:stretch>
+            <a:fillRect/>
+          </a:stretch>
+        </p:blipFill>
+        <p:spPr>
+          <a:xfrm>
+            <a:off x="805967" y="2323453"/>
+            <a:ext cx="3190888" cy="3508983"/>
+          </a:xfrm>
+          <a:prstGeom prst="rect">
+            <a:avLst/>
+          </a:prstGeom>
+        </p:spPr>
+      </p:pic>
       <p:sp>
         <p:nvSpPr>
           <p:cNvPr id="25" name="직사각형 24">
@@ -8080,36 +8072,6 @@
           </a:p>
         </p:txBody>
       </p:sp>
-      <p:pic>
-        <p:nvPicPr>
-          <p:cNvPr id="11" name="그림 10">
-            <a:extLst>
-              <a:ext uri="{FF2B5EF4-FFF2-40B4-BE49-F238E27FC236}">
-                <a16:creationId xmlns:a16="http://schemas.microsoft.com/office/drawing/2014/main" id="{BDC7A601-142C-F744-D0A2-F26D65EC9668}"/>
-              </a:ext>
-            </a:extLst>
-          </p:cNvPr>
-          <p:cNvPicPr>
-            <a:picLocks noChangeAspect="1"/>
-          </p:cNvPicPr>
-          <p:nvPr/>
-        </p:nvPicPr>
-        <p:blipFill>
-          <a:blip r:embed="rId2"/>
-          <a:stretch>
-            <a:fillRect/>
-          </a:stretch>
-        </p:blipFill>
-        <p:spPr>
-          <a:xfrm>
-            <a:off x="769652" y="2283485"/>
-            <a:ext cx="3354126" cy="3414952"/>
-          </a:xfrm>
-          <a:prstGeom prst="rect">
-            <a:avLst/>
-          </a:prstGeom>
-        </p:spPr>
-      </p:pic>
       <p:sp>
         <p:nvSpPr>
           <p:cNvPr id="5" name="TextBox 4">
@@ -8638,8 +8600,8 @@
         </p:nvSpPr>
         <p:spPr>
           <a:xfrm>
-            <a:off x="1584481" y="3363156"/>
-            <a:ext cx="2427682" cy="243352"/>
+            <a:off x="1732432" y="3345226"/>
+            <a:ext cx="1337339" cy="243352"/>
           </a:xfrm>
           <a:prstGeom prst="rect">
             <a:avLst/>
@@ -8694,8 +8656,8 @@
         </p:nvCxnSpPr>
         <p:spPr>
           <a:xfrm>
-            <a:off x="4012163" y="3484832"/>
-            <a:ext cx="1019077" cy="21259"/>
+            <a:off x="3069771" y="3466902"/>
+            <a:ext cx="1961469" cy="39189"/>
           </a:xfrm>
           <a:prstGeom prst="straightConnector1">
             <a:avLst/>
@@ -8872,8 +8834,8 @@
         </p:nvSpPr>
         <p:spPr>
           <a:xfrm>
-            <a:off x="1625449" y="3415952"/>
-            <a:ext cx="1845539" cy="129440"/>
+            <a:off x="1771423" y="3387011"/>
+            <a:ext cx="607884" cy="149049"/>
           </a:xfrm>
           <a:prstGeom prst="rect">
             <a:avLst/>
@@ -8922,13 +8884,14 @@
           <p:cNvCxnSpPr>
             <a:cxnSpLocks/>
             <a:stCxn id="30" idx="2"/>
+            <a:endCxn id="28" idx="1"/>
           </p:cNvCxnSpPr>
           <p:nvPr/>
         </p:nvCxnSpPr>
         <p:spPr>
           <a:xfrm>
-            <a:off x="2548219" y="3545392"/>
-            <a:ext cx="2483021" cy="1130183"/>
+            <a:off x="2075365" y="3536060"/>
+            <a:ext cx="2971183" cy="1153942"/>
           </a:xfrm>
           <a:prstGeom prst="straightConnector1">
             <a:avLst/>

--- a/release/웹캠녹화매뉴얼_Handalab_ver1.1.pptx
+++ b/release/웹캠녹화매뉴얼_Handalab_ver1.1.pptx
@@ -686,7 +686,7 @@
           <a:p>
             <a:fld id="{DED9F9E5-8158-4F02-B855-D411F4B04597}" type="datetimeFigureOut">
               <a:rPr lang="ko-KR" altLang="en-US" smtClean="0"/>
-              <a:t>2025-07-25</a:t>
+              <a:t>2025-07-28</a:t>
             </a:fld>
             <a:endParaRPr lang="ko-KR" altLang="en-US"/>
           </a:p>
@@ -864,7 +864,7 @@
           <a:p>
             <a:fld id="{91937E2C-5AA9-42AD-8914-CBB6D8D94BC2}" type="datetimeFigureOut">
               <a:rPr lang="ko-KR" altLang="en-US" smtClean="0"/>
-              <a:t>2025-07-25</a:t>
+              <a:t>2025-07-28</a:t>
             </a:fld>
             <a:endParaRPr lang="ko-KR" altLang="en-US"/>
           </a:p>
@@ -1263,7 +1263,7 @@
           <a:p>
             <a:fld id="{3BBD4A99-3E29-4CF9-A8B2-103D880EA0F1}" type="datetime1">
               <a:rPr lang="ko-KR" altLang="en-US" smtClean="0"/>
-              <a:t>2025-07-25</a:t>
+              <a:t>2025-07-28</a:t>
             </a:fld>
             <a:endParaRPr lang="ko-KR" altLang="en-US"/>
           </a:p>
@@ -1437,7 +1437,7 @@
           <a:p>
             <a:fld id="{2EB6240E-DEED-428A-864A-16C044F39328}" type="datetime1">
               <a:rPr lang="ko-KR" altLang="en-US" smtClean="0"/>
-              <a:t>2025-07-25</a:t>
+              <a:t>2025-07-28</a:t>
             </a:fld>
             <a:endParaRPr lang="ko-KR" altLang="en-US"/>
           </a:p>
@@ -1621,7 +1621,7 @@
           <a:p>
             <a:fld id="{F1FA135F-4B74-4A67-B65A-7367A8A9779E}" type="datetime1">
               <a:rPr lang="ko-KR" altLang="en-US" smtClean="0"/>
-              <a:t>2025-07-25</a:t>
+              <a:t>2025-07-28</a:t>
             </a:fld>
             <a:endParaRPr lang="ko-KR" altLang="en-US"/>
           </a:p>
@@ -1795,7 +1795,7 @@
           <a:p>
             <a:fld id="{30D3ED70-1DD8-4173-BF4A-D1349B88412C}" type="datetime1">
               <a:rPr lang="ko-KR" altLang="en-US" smtClean="0"/>
-              <a:t>2025-07-25</a:t>
+              <a:t>2025-07-28</a:t>
             </a:fld>
             <a:endParaRPr lang="ko-KR" altLang="en-US"/>
           </a:p>
@@ -2043,7 +2043,7 @@
           <a:p>
             <a:fld id="{5CA1A651-F30F-4298-8F48-7DA4CAB41E8A}" type="datetime1">
               <a:rPr lang="ko-KR" altLang="en-US" smtClean="0"/>
-              <a:t>2025-07-25</a:t>
+              <a:t>2025-07-28</a:t>
             </a:fld>
             <a:endParaRPr lang="ko-KR" altLang="en-US"/>
           </a:p>
@@ -2279,7 +2279,7 @@
           <a:p>
             <a:fld id="{7E374028-334D-4FBC-B5C5-2D30C7CF9850}" type="datetime1">
               <a:rPr lang="ko-KR" altLang="en-US" smtClean="0"/>
-              <a:t>2025-07-25</a:t>
+              <a:t>2025-07-28</a:t>
             </a:fld>
             <a:endParaRPr lang="ko-KR" altLang="en-US"/>
           </a:p>
@@ -2650,7 +2650,7 @@
           <a:p>
             <a:fld id="{A56228C5-16BC-4D84-A510-D8AABD8B6AA8}" type="datetime1">
               <a:rPr lang="ko-KR" altLang="en-US" smtClean="0"/>
-              <a:t>2025-07-25</a:t>
+              <a:t>2025-07-28</a:t>
             </a:fld>
             <a:endParaRPr lang="ko-KR" altLang="en-US"/>
           </a:p>
@@ -2772,7 +2772,7 @@
           <a:p>
             <a:fld id="{B582AE44-4191-43BC-83D0-60547AD8665D}" type="datetime1">
               <a:rPr lang="ko-KR" altLang="en-US" smtClean="0"/>
-              <a:t>2025-07-25</a:t>
+              <a:t>2025-07-28</a:t>
             </a:fld>
             <a:endParaRPr lang="ko-KR" altLang="en-US"/>
           </a:p>
@@ -2871,7 +2871,7 @@
           <a:p>
             <a:fld id="{8A7541C4-92EE-43CD-A56E-1C75B76FC6FD}" type="datetime1">
               <a:rPr lang="ko-KR" altLang="en-US" smtClean="0"/>
-              <a:t>2025-07-25</a:t>
+              <a:t>2025-07-28</a:t>
             </a:fld>
             <a:endParaRPr lang="ko-KR" altLang="en-US"/>
           </a:p>
@@ -3152,7 +3152,7 @@
           <a:p>
             <a:fld id="{B0F21559-FC0C-45B1-BCC6-CE434398669F}" type="datetime1">
               <a:rPr lang="ko-KR" altLang="en-US" smtClean="0"/>
-              <a:t>2025-07-25</a:t>
+              <a:t>2025-07-28</a:t>
             </a:fld>
             <a:endParaRPr lang="ko-KR" altLang="en-US"/>
           </a:p>
@@ -3413,7 +3413,7 @@
           <a:p>
             <a:fld id="{32E3FA79-0C20-4CA0-9E08-FC741FF1D189}" type="datetime1">
               <a:rPr lang="ko-KR" altLang="en-US" smtClean="0"/>
-              <a:t>2025-07-25</a:t>
+              <a:t>2025-07-28</a:t>
             </a:fld>
             <a:endParaRPr lang="ko-KR" altLang="en-US"/>
           </a:p>
@@ -3630,7 +3630,7 @@
           <a:p>
             <a:fld id="{9083445D-6E59-4949-92D9-8ED9B8D74C07}" type="datetime1">
               <a:rPr lang="ko-KR" altLang="en-US" smtClean="0"/>
-              <a:t>2025-07-25</a:t>
+              <a:t>2025-07-28</a:t>
             </a:fld>
             <a:endParaRPr lang="ko-KR" altLang="en-US"/>
           </a:p>
@@ -7039,7 +7039,7 @@
         <p:spPr>
           <a:xfrm>
             <a:off x="425442" y="1165448"/>
-            <a:ext cx="7240277" cy="923330"/>
+            <a:ext cx="7240277" cy="646331"/>
           </a:xfrm>
           <a:prstGeom prst="rect">
             <a:avLst/>
@@ -7056,19 +7056,31 @@
               <a:rPr lang="ko-KR" altLang="en-US" sz="900" dirty="0">
                 <a:latin typeface="+mn-ea"/>
               </a:rPr>
-              <a:t>제공된 모듈 폴더에서 </a:t>
+              <a:t>제공된 모듈 폴더에서 터미널 명령 </a:t>
             </a:r>
             <a:r>
               <a:rPr lang="en-US" altLang="ko-KR" sz="900" dirty="0">
                 <a:latin typeface="+mn-ea"/>
               </a:rPr>
-              <a:t>start.vbs</a:t>
+              <a:t>python main.py –time {</a:t>
+            </a:r>
+            <a:r>
+              <a:rPr lang="ko-KR" altLang="en-US" sz="900" dirty="0" err="1">
+                <a:latin typeface="+mn-ea"/>
+              </a:rPr>
+              <a:t>시간설정값</a:t>
+            </a:r>
+            <a:r>
+              <a:rPr lang="en-US" altLang="ko-KR" sz="900" dirty="0">
+                <a:latin typeface="+mn-ea"/>
+              </a:rPr>
+              <a:t>} </a:t>
             </a:r>
             <a:r>
               <a:rPr lang="ko-KR" altLang="en-US" sz="900" dirty="0">
                 <a:latin typeface="+mn-ea"/>
               </a:rPr>
-              <a:t> 파일을 실행하면 백그라운드로 서비스가 시작됩니다</a:t>
+              <a:t>을 입력하면 서비스가 시작됩니다</a:t>
             </a:r>
             <a:r>
               <a:rPr lang="en-US" altLang="ko-KR" sz="900" dirty="0">
@@ -7093,7 +7105,7 @@
               <a:rPr lang="ko-KR" altLang="en-US" sz="900" dirty="0">
                 <a:latin typeface="+mn-ea"/>
               </a:rPr>
-              <a:t>파일을 실행하면 백그라운드로 실행중인 서비스가 종료됩니다</a:t>
+              <a:t>파일을 실행하면 서비스가 종료됩니다</a:t>
             </a:r>
             <a:r>
               <a:rPr lang="en-US" altLang="ko-KR" sz="900" dirty="0">
@@ -7127,34 +7139,6 @@
               </a:rPr>
               <a:t>.</a:t>
             </a:r>
-          </a:p>
-          <a:p>
-            <a:endParaRPr lang="en-US" altLang="ko-KR" sz="900" dirty="0">
-              <a:latin typeface="+mn-ea"/>
-            </a:endParaRPr>
-          </a:p>
-          <a:p>
-            <a:r>
-              <a:rPr lang="en-US" altLang="ko-KR" sz="900" dirty="0">
-                <a:latin typeface="+mn-ea"/>
-              </a:rPr>
-              <a:t>start.vbs, stop_all_python_process.bat </a:t>
-            </a:r>
-            <a:r>
-              <a:rPr lang="ko-KR" altLang="en-US" sz="900" dirty="0">
-                <a:latin typeface="+mn-ea"/>
-              </a:rPr>
-              <a:t>두 파일은 다른 폴더로 옮겨서 사용할 수 있습니다</a:t>
-            </a:r>
-            <a:r>
-              <a:rPr lang="en-US" altLang="ko-KR" sz="900" dirty="0">
-                <a:latin typeface="+mn-ea"/>
-              </a:rPr>
-              <a:t>.</a:t>
-            </a:r>
-            <a:endParaRPr lang="ko-KR" altLang="en-US" sz="900" dirty="0">
-              <a:latin typeface="+mn-ea"/>
-            </a:endParaRPr>
           </a:p>
         </p:txBody>
       </p:sp>
@@ -7236,10 +7220,10 @@
       </p:sp>
       <p:pic>
         <p:nvPicPr>
-          <p:cNvPr id="19" name="그림 18">
-            <a:extLst>
-              <a:ext uri="{FF2B5EF4-FFF2-40B4-BE49-F238E27FC236}">
-                <a16:creationId xmlns:a16="http://schemas.microsoft.com/office/drawing/2014/main" id="{124936F2-1760-8BA1-ECCD-AD58CC75C25A}"/>
+          <p:cNvPr id="9" name="그림 8">
+            <a:extLst>
+              <a:ext uri="{FF2B5EF4-FFF2-40B4-BE49-F238E27FC236}">
+                <a16:creationId xmlns:a16="http://schemas.microsoft.com/office/drawing/2014/main" id="{41203852-650B-41F9-9914-0F8B42C12417}"/>
               </a:ext>
             </a:extLst>
           </p:cNvPr>
@@ -7256,8 +7240,37 @@
         </p:blipFill>
         <p:spPr>
           <a:xfrm>
-            <a:off x="2066522" y="2738341"/>
-            <a:ext cx="5772956" cy="1381318"/>
+            <a:off x="2095101" y="3935394"/>
+            <a:ext cx="5715798" cy="1086002"/>
+          </a:xfrm>
+          <a:prstGeom prst="rect">
+            <a:avLst/>
+          </a:prstGeom>
+        </p:spPr>
+      </p:pic>
+      <p:pic>
+        <p:nvPicPr>
+          <p:cNvPr id="11" name="그림 10">
+            <a:extLst>
+              <a:ext uri="{FF2B5EF4-FFF2-40B4-BE49-F238E27FC236}">
+                <a16:creationId xmlns:a16="http://schemas.microsoft.com/office/drawing/2014/main" id="{CB3CC38D-6259-65E2-CF70-11968EA7B766}"/>
+              </a:ext>
+            </a:extLst>
+          </p:cNvPr>
+          <p:cNvPicPr>
+            <a:picLocks noChangeAspect="1"/>
+          </p:cNvPicPr>
+          <p:nvPr/>
+        </p:nvPicPr>
+        <p:blipFill>
+          <a:blip r:embed="rId4"/>
+          <a:srcRect b="17074"/>
+          <a:stretch/>
+        </p:blipFill>
+        <p:spPr>
+          <a:xfrm>
+            <a:off x="2128211" y="2600438"/>
+            <a:ext cx="4496427" cy="1137573"/>
           </a:xfrm>
           <a:prstGeom prst="rect">
             <a:avLst/>
@@ -7300,6 +7313,36 @@
           <a:chExt cx="0" cy="0"/>
         </a:xfrm>
       </p:grpSpPr>
+      <p:pic>
+        <p:nvPicPr>
+          <p:cNvPr id="8" name="그림 7">
+            <a:extLst>
+              <a:ext uri="{FF2B5EF4-FFF2-40B4-BE49-F238E27FC236}">
+                <a16:creationId xmlns:a16="http://schemas.microsoft.com/office/drawing/2014/main" id="{DC582F76-8945-8E2B-A8D1-D103A6FAFF02}"/>
+              </a:ext>
+            </a:extLst>
+          </p:cNvPr>
+          <p:cNvPicPr>
+            <a:picLocks noChangeAspect="1"/>
+          </p:cNvPicPr>
+          <p:nvPr/>
+        </p:nvPicPr>
+        <p:blipFill>
+          <a:blip r:embed="rId2"/>
+          <a:stretch>
+            <a:fillRect/>
+          </a:stretch>
+        </p:blipFill>
+        <p:spPr>
+          <a:xfrm>
+            <a:off x="2914365" y="2965380"/>
+            <a:ext cx="4077269" cy="2000529"/>
+          </a:xfrm>
+          <a:prstGeom prst="rect">
+            <a:avLst/>
+          </a:prstGeom>
+        </p:spPr>
+      </p:pic>
       <p:sp>
         <p:nvSpPr>
           <p:cNvPr id="5" name="TextBox 4">
@@ -7470,7 +7513,7 @@
           <p:nvPr/>
         </p:nvPicPr>
         <p:blipFill>
-          <a:blip r:embed="rId2">
+          <a:blip r:embed="rId3">
             <a:extLst>
               <a:ext uri="{28A0092B-C50C-407E-A947-70E740481C1C}">
                 <a14:useLocalDpi xmlns:a14="http://schemas.microsoft.com/office/drawing/2010/main" val="0"/>
@@ -7566,13 +7609,13 @@
               <a:rPr lang="en-US" altLang="ko-KR" sz="900" dirty="0">
                 <a:latin typeface="+mn-ea"/>
               </a:rPr>
-              <a:t>start.vbs</a:t>
+              <a:t>main.py </a:t>
             </a:r>
             <a:r>
               <a:rPr lang="ko-KR" altLang="en-US" sz="900" dirty="0">
                 <a:latin typeface="+mn-ea"/>
               </a:rPr>
-              <a:t> 파일 우측 클릭 </a:t>
+              <a:t>파일 우측 클릭 </a:t>
             </a:r>
             <a:r>
               <a:rPr lang="en-US" altLang="ko-KR" sz="900" dirty="0">
@@ -7620,10 +7663,16 @@
           </a:p>
           <a:p>
             <a:r>
+              <a:rPr lang="en-US" altLang="ko-KR" sz="900" dirty="0" err="1">
+                <a:latin typeface="+mn-ea"/>
+              </a:rPr>
+              <a:t>default_time</a:t>
+            </a:r>
+            <a:r>
               <a:rPr lang="en-US" altLang="ko-KR" sz="900" dirty="0">
                 <a:latin typeface="+mn-ea"/>
               </a:rPr>
-              <a:t>TIME_ : </a:t>
+              <a:t> : </a:t>
             </a:r>
             <a:r>
               <a:rPr lang="ko-KR" altLang="en-US" sz="900" dirty="0">
@@ -7641,7 +7690,7 @@
               <a:rPr lang="ko-KR" altLang="en-US" sz="900" dirty="0">
                 <a:latin typeface="+mn-ea"/>
               </a:rPr>
-              <a:t> 영상의 길이</a:t>
+              <a:t> 영상의 길이의 기본 값</a:t>
             </a:r>
             <a:r>
               <a:rPr lang="en-US" altLang="ko-KR" sz="900" dirty="0">
@@ -7664,10 +7713,16 @@
           </a:p>
           <a:p>
             <a:r>
+              <a:rPr lang="en-US" altLang="ko-KR" sz="900" dirty="0" err="1">
+                <a:latin typeface="+mn-ea"/>
+              </a:rPr>
+              <a:t>mod_ip</a:t>
+            </a:r>
+            <a:r>
               <a:rPr lang="en-US" altLang="ko-KR" sz="900" dirty="0">
                 <a:latin typeface="+mn-ea"/>
               </a:rPr>
-              <a:t>MOD_IP : </a:t>
+              <a:t> : </a:t>
             </a:r>
             <a:r>
               <a:rPr lang="ko-KR" altLang="en-US" sz="900" dirty="0">
@@ -7684,10 +7739,16 @@
           </a:p>
           <a:p>
             <a:r>
+              <a:rPr lang="en-US" altLang="ko-KR" sz="900" dirty="0" err="1">
+                <a:latin typeface="+mn-ea"/>
+              </a:rPr>
+              <a:t>mod_port</a:t>
+            </a:r>
+            <a:r>
               <a:rPr lang="en-US" altLang="ko-KR" sz="900" dirty="0">
                 <a:latin typeface="+mn-ea"/>
               </a:rPr>
-              <a:t>MOD_PORT : </a:t>
+              <a:t> : </a:t>
             </a:r>
             <a:r>
               <a:rPr lang="ko-KR" altLang="en-US" sz="900" dirty="0">
@@ -7701,10 +7762,16 @@
           </a:p>
           <a:p>
             <a:r>
+              <a:rPr lang="en-US" altLang="ko-KR" sz="900" dirty="0" err="1">
+                <a:latin typeface="+mn-ea"/>
+              </a:rPr>
+              <a:t>mod_word</a:t>
+            </a:r>
+            <a:r>
               <a:rPr lang="en-US" altLang="ko-KR" sz="900" dirty="0">
                 <a:latin typeface="+mn-ea"/>
               </a:rPr>
-              <a:t>MOD_WORD : </a:t>
+              <a:t> : </a:t>
             </a:r>
             <a:r>
               <a:rPr lang="ko-KR" altLang="en-US" sz="900" dirty="0">
@@ -7718,10 +7785,16 @@
           </a:p>
           <a:p>
             <a:r>
+              <a:rPr lang="en-US" altLang="ko-KR" sz="900" dirty="0" err="1">
+                <a:latin typeface="+mn-ea"/>
+              </a:rPr>
+              <a:t>txt_path</a:t>
+            </a:r>
+            <a:r>
               <a:rPr lang="en-US" altLang="ko-KR" sz="900" dirty="0">
                 <a:latin typeface="+mn-ea"/>
               </a:rPr>
-              <a:t>TXT_PATH : </a:t>
+              <a:t> : </a:t>
             </a:r>
             <a:r>
               <a:rPr lang="ko-KR" altLang="en-US" sz="900" dirty="0">
@@ -7820,36 +7893,6 @@
           </a:p>
         </p:txBody>
       </p:sp>
-      <p:pic>
-        <p:nvPicPr>
-          <p:cNvPr id="12" name="그림 11">
-            <a:extLst>
-              <a:ext uri="{FF2B5EF4-FFF2-40B4-BE49-F238E27FC236}">
-                <a16:creationId xmlns:a16="http://schemas.microsoft.com/office/drawing/2014/main" id="{6347EA69-75A6-13E1-5DB5-3924E3BAEAED}"/>
-              </a:ext>
-            </a:extLst>
-          </p:cNvPr>
-          <p:cNvPicPr>
-            <a:picLocks noChangeAspect="1"/>
-          </p:cNvPicPr>
-          <p:nvPr/>
-        </p:nvPicPr>
-        <p:blipFill>
-          <a:blip r:embed="rId3"/>
-          <a:stretch>
-            <a:fillRect/>
-          </a:stretch>
-        </p:blipFill>
-        <p:spPr>
-          <a:xfrm>
-            <a:off x="3327967" y="2526831"/>
-            <a:ext cx="3250066" cy="3574060"/>
-          </a:xfrm>
-          <a:prstGeom prst="rect">
-            <a:avLst/>
-          </a:prstGeom>
-        </p:spPr>
-      </p:pic>
       <p:sp>
         <p:nvSpPr>
           <p:cNvPr id="18" name="직사각형 17">
@@ -7864,8 +7907,8 @@
         </p:nvSpPr>
         <p:spPr>
           <a:xfrm>
-            <a:off x="3300025" y="2536702"/>
-            <a:ext cx="3296670" cy="1279518"/>
+            <a:off x="2914365" y="3325885"/>
+            <a:ext cx="1592321" cy="1152809"/>
           </a:xfrm>
           <a:prstGeom prst="rect">
             <a:avLst/>
@@ -7940,10 +7983,10 @@
       </p:grpSpPr>
       <p:pic>
         <p:nvPicPr>
-          <p:cNvPr id="7" name="그림 6">
-            <a:extLst>
-              <a:ext uri="{FF2B5EF4-FFF2-40B4-BE49-F238E27FC236}">
-                <a16:creationId xmlns:a16="http://schemas.microsoft.com/office/drawing/2014/main" id="{A8266D91-BE5A-5981-C5F7-EF286D72E740}"/>
+          <p:cNvPr id="8" name="그림 7">
+            <a:extLst>
+              <a:ext uri="{FF2B5EF4-FFF2-40B4-BE49-F238E27FC236}">
+                <a16:creationId xmlns:a16="http://schemas.microsoft.com/office/drawing/2014/main" id="{231A6F36-7FBB-D225-CB93-0B6A28F71302}"/>
               </a:ext>
             </a:extLst>
           </p:cNvPr>
@@ -7960,8 +8003,8 @@
         </p:blipFill>
         <p:spPr>
           <a:xfrm>
-            <a:off x="805967" y="2323453"/>
-            <a:ext cx="3190888" cy="3508983"/>
+            <a:off x="653607" y="2581944"/>
+            <a:ext cx="4077269" cy="2000529"/>
           </a:xfrm>
           <a:prstGeom prst="rect">
             <a:avLst/>
@@ -8335,10 +8378,10 @@
           <a:lstStyle/>
           <a:p>
             <a:r>
-              <a:rPr lang="en-US" altLang="ko-KR" sz="900" dirty="0">
-                <a:latin typeface="+mn-ea"/>
-              </a:rPr>
-              <a:t>TXT_PATH</a:t>
+              <a:rPr lang="en-US" altLang="ko-KR" sz="900" dirty="0" err="1">
+                <a:latin typeface="+mn-ea"/>
+              </a:rPr>
+              <a:t>txt_path</a:t>
             </a:r>
             <a:r>
               <a:rPr lang="ko-KR" altLang="en-US" sz="900" dirty="0">
@@ -8600,8 +8643,8 @@
         </p:nvSpPr>
         <p:spPr>
           <a:xfrm>
-            <a:off x="1732432" y="3345226"/>
-            <a:ext cx="1337339" cy="243352"/>
+            <a:off x="1290799" y="3796282"/>
+            <a:ext cx="949482" cy="215880"/>
           </a:xfrm>
           <a:prstGeom prst="rect">
             <a:avLst/>
@@ -8655,9 +8698,9 @@
           <p:nvPr/>
         </p:nvCxnSpPr>
         <p:spPr>
-          <a:xfrm>
-            <a:off x="3069771" y="3466902"/>
-            <a:ext cx="1961469" cy="39189"/>
+          <a:xfrm flipV="1">
+            <a:off x="2240281" y="3506091"/>
+            <a:ext cx="2790959" cy="398131"/>
           </a:xfrm>
           <a:prstGeom prst="straightConnector1">
             <a:avLst/>
@@ -8834,8 +8877,8 @@
         </p:nvSpPr>
         <p:spPr>
           <a:xfrm>
-            <a:off x="1771423" y="3387011"/>
-            <a:ext cx="607884" cy="149049"/>
+            <a:off x="1369423" y="3825392"/>
+            <a:ext cx="254104" cy="177439"/>
           </a:xfrm>
           <a:prstGeom prst="rect">
             <a:avLst/>
@@ -8868,7 +8911,7 @@
           <a:lstStyle/>
           <a:p>
             <a:pPr algn="ctr"/>
-            <a:endParaRPr lang="ko-KR" altLang="en-US"/>
+            <a:endParaRPr lang="ko-KR" altLang="en-US" dirty="0"/>
           </a:p>
         </p:txBody>
       </p:sp>
@@ -8890,8 +8933,8 @@
         </p:nvCxnSpPr>
         <p:spPr>
           <a:xfrm>
-            <a:off x="2075365" y="3536060"/>
-            <a:ext cx="2971183" cy="1153942"/>
+            <a:off x="1496475" y="4002831"/>
+            <a:ext cx="3550073" cy="687171"/>
           </a:xfrm>
           <a:prstGeom prst="straightConnector1">
             <a:avLst/>
@@ -9242,8 +9285,8 @@
         </p:nvSpPr>
         <p:spPr>
           <a:xfrm>
-            <a:off x="425442" y="1163901"/>
-            <a:ext cx="7897464" cy="784830"/>
+            <a:off x="425441" y="1163901"/>
+            <a:ext cx="8671905" cy="784830"/>
           </a:xfrm>
           <a:prstGeom prst="rect">
             <a:avLst/>
@@ -9301,10 +9344,16 @@
               <a:t> </a:t>
             </a:r>
             <a:r>
+              <a:rPr lang="en-US" altLang="ko-KR" sz="900" dirty="0" err="1">
+                <a:latin typeface="+mn-ea"/>
+              </a:rPr>
+              <a:t>txt_path</a:t>
+            </a:r>
+            <a:r>
               <a:rPr lang="en-US" altLang="ko-KR" sz="900" dirty="0">
                 <a:latin typeface="+mn-ea"/>
               </a:rPr>
-              <a:t>TXT_PATH</a:t>
+              <a:t> </a:t>
             </a:r>
             <a:r>
               <a:rPr lang="ko-KR" altLang="en-US" sz="900" dirty="0">
@@ -9409,7 +9458,7 @@
                 </a:solidFill>
                 <a:latin typeface="+mn-ea"/>
               </a:rPr>
-              <a:t> TIME_ </a:t>
+              <a:t> </a:t>
             </a:r>
             <a:r>
               <a:rPr lang="ko-KR" altLang="en-US" sz="900" dirty="0">
@@ -9421,7 +9470,7 @@
                 </a:solidFill>
                 <a:latin typeface="+mn-ea"/>
               </a:rPr>
-              <a:t>만큼 시간이 지나기 전에 트리거가 들어오면</a:t>
+              <a:t>설정된 시간</a:t>
             </a:r>
             <a:r>
               <a:rPr lang="en-US" altLang="ko-KR" sz="900" dirty="0">
@@ -9433,7 +9482,7 @@
                 </a:solidFill>
                 <a:latin typeface="+mn-ea"/>
               </a:rPr>
-              <a:t>, </a:t>
+              <a:t> </a:t>
             </a:r>
             <a:r>
               <a:rPr lang="ko-KR" altLang="en-US" sz="900" dirty="0">
@@ -9445,7 +9494,7 @@
                 </a:solidFill>
                 <a:latin typeface="+mn-ea"/>
               </a:rPr>
-              <a:t>해당 시점까지 녹화한 영상을 저장하므로 </a:t>
+              <a:t>만큼 시간이 지나기 전에 트리거가 들어오면</a:t>
             </a:r>
             <a:r>
               <a:rPr lang="en-US" altLang="ko-KR" sz="900" dirty="0">
@@ -9457,7 +9506,7 @@
                 </a:solidFill>
                 <a:latin typeface="+mn-ea"/>
               </a:rPr>
-              <a:t>TIME_ </a:t>
+              <a:t>, </a:t>
             </a:r>
             <a:r>
               <a:rPr lang="ko-KR" altLang="en-US" sz="900" dirty="0">
@@ -9469,7 +9518,31 @@
                 </a:solidFill>
                 <a:latin typeface="+mn-ea"/>
               </a:rPr>
-              <a:t>값보다 짧은 영상이 저장됩니다</a:t>
+              <a:t>해당 시점까지 녹화한 영상을 저장하므로 </a:t>
+            </a:r>
+            <a:r>
+              <a:rPr lang="ko-KR" altLang="en-US" sz="900" dirty="0" err="1">
+                <a:solidFill>
+                  <a:schemeClr val="tx1">
+                    <a:lumMod val="65000"/>
+                    <a:lumOff val="35000"/>
+                  </a:schemeClr>
+                </a:solidFill>
+                <a:latin typeface="+mn-ea"/>
+              </a:rPr>
+              <a:t>성정값보다</a:t>
+            </a:r>
+            <a:r>
+              <a:rPr lang="ko-KR" altLang="en-US" sz="900" dirty="0">
+                <a:solidFill>
+                  <a:schemeClr val="tx1">
+                    <a:lumMod val="65000"/>
+                    <a:lumOff val="35000"/>
+                  </a:schemeClr>
+                </a:solidFill>
+                <a:latin typeface="+mn-ea"/>
+              </a:rPr>
+              <a:t> 짧은 영상이 저장됩니다</a:t>
             </a:r>
             <a:r>
               <a:rPr lang="en-US" altLang="ko-KR" sz="900" dirty="0">

--- a/release/웹캠녹화매뉴얼_Handalab_ver1.1.pptx
+++ b/release/웹캠녹화매뉴얼_Handalab_ver1.1.pptx
@@ -7039,7 +7039,7 @@
         <p:spPr>
           <a:xfrm>
             <a:off x="425442" y="1165448"/>
-            <a:ext cx="7240277" cy="646331"/>
+            <a:ext cx="7240277" cy="784830"/>
           </a:xfrm>
           <a:prstGeom prst="rect">
             <a:avLst/>
@@ -7062,18 +7062,42 @@
               <a:rPr lang="en-US" altLang="ko-KR" sz="900" dirty="0">
                 <a:latin typeface="+mn-ea"/>
               </a:rPr>
-              <a:t>python main.py –time {</a:t>
-            </a:r>
-            <a:r>
-              <a:rPr lang="ko-KR" altLang="en-US" sz="900" dirty="0" err="1">
-                <a:latin typeface="+mn-ea"/>
-              </a:rPr>
-              <a:t>시간설정값</a:t>
+              <a:t>start</a:t>
+            </a:r>
+            <a:r>
+              <a:rPr lang="ko-KR" altLang="en-US" sz="900" dirty="0">
+                <a:latin typeface="+mn-ea"/>
+              </a:rPr>
+              <a:t> </a:t>
             </a:r>
             <a:r>
               <a:rPr lang="en-US" altLang="ko-KR" sz="900" dirty="0">
                 <a:latin typeface="+mn-ea"/>
               </a:rPr>
+              <a:t>start.bat</a:t>
+            </a:r>
+            <a:r>
+              <a:rPr lang="ko-KR" altLang="en-US" sz="900" dirty="0">
+                <a:latin typeface="+mn-ea"/>
+              </a:rPr>
+              <a:t> </a:t>
+            </a:r>
+            <a:r>
+              <a:rPr lang="en-US" altLang="ko-KR" sz="900" dirty="0">
+                <a:latin typeface="+mn-ea"/>
+              </a:rPr>
+              <a:t>{</a:t>
+            </a:r>
+            <a:r>
+              <a:rPr lang="ko-KR" altLang="en-US" sz="900" dirty="0">
+                <a:latin typeface="+mn-ea"/>
+              </a:rPr>
+              <a:t>시간 설정 값</a:t>
+            </a:r>
+            <a:r>
+              <a:rPr lang="en-US" altLang="ko-KR" sz="900" dirty="0">
+                <a:latin typeface="+mn-ea"/>
+              </a:rPr>
               <a:t>} </a:t>
             </a:r>
             <a:r>
@@ -7088,6 +7112,41 @@
               </a:rPr>
               <a:t>.</a:t>
             </a:r>
+          </a:p>
+          <a:p>
+            <a:r>
+              <a:rPr lang="ko-KR" altLang="en-US" sz="900" dirty="0">
+                <a:latin typeface="+mn-ea"/>
+              </a:rPr>
+              <a:t>시간 설정 값을 기본 값을 사용하려면 </a:t>
+            </a:r>
+            <a:r>
+              <a:rPr lang="en-US" altLang="ko-KR" sz="900" dirty="0">
+                <a:latin typeface="+mn-ea"/>
+              </a:rPr>
+              <a:t>start start.bat </a:t>
+            </a:r>
+            <a:r>
+              <a:rPr lang="ko-KR" altLang="en-US" sz="900" dirty="0">
+                <a:latin typeface="+mn-ea"/>
+              </a:rPr>
+              <a:t>만 입력하거나 </a:t>
+            </a:r>
+            <a:r>
+              <a:rPr lang="en-US" altLang="ko-KR" sz="900" dirty="0">
+                <a:latin typeface="+mn-ea"/>
+              </a:rPr>
+              <a:t>start.bat </a:t>
+            </a:r>
+            <a:r>
+              <a:rPr lang="ko-KR" altLang="en-US" sz="900">
+                <a:latin typeface="+mn-ea"/>
+              </a:rPr>
+              <a:t>파일을 직접 실행하면 됩니다</a:t>
+            </a:r>
+            <a:endParaRPr lang="en-US" altLang="ko-KR" sz="900" dirty="0">
+              <a:latin typeface="+mn-ea"/>
+            </a:endParaRPr>
           </a:p>
           <a:p>
             <a:endParaRPr lang="en-US" altLang="ko-KR" sz="900" dirty="0">
@@ -7220,10 +7279,10 @@
       </p:sp>
       <p:pic>
         <p:nvPicPr>
-          <p:cNvPr id="9" name="그림 8">
-            <a:extLst>
-              <a:ext uri="{FF2B5EF4-FFF2-40B4-BE49-F238E27FC236}">
-                <a16:creationId xmlns:a16="http://schemas.microsoft.com/office/drawing/2014/main" id="{41203852-650B-41F9-9914-0F8B42C12417}"/>
+          <p:cNvPr id="8" name="그림 7">
+            <a:extLst>
+              <a:ext uri="{FF2B5EF4-FFF2-40B4-BE49-F238E27FC236}">
+                <a16:creationId xmlns:a16="http://schemas.microsoft.com/office/drawing/2014/main" id="{1AF80ABA-5167-0DD2-3CA1-7457E3D43ABA}"/>
               </a:ext>
             </a:extLst>
           </p:cNvPr>
@@ -7240,8 +7299,8 @@
         </p:blipFill>
         <p:spPr>
           <a:xfrm>
-            <a:off x="2095101" y="3935394"/>
-            <a:ext cx="5715798" cy="1086002"/>
+            <a:off x="2071285" y="3979272"/>
+            <a:ext cx="5763429" cy="1066949"/>
           </a:xfrm>
           <a:prstGeom prst="rect">
             <a:avLst/>
@@ -7250,10 +7309,10 @@
       </p:pic>
       <p:pic>
         <p:nvPicPr>
-          <p:cNvPr id="11" name="그림 10">
-            <a:extLst>
-              <a:ext uri="{FF2B5EF4-FFF2-40B4-BE49-F238E27FC236}">
-                <a16:creationId xmlns:a16="http://schemas.microsoft.com/office/drawing/2014/main" id="{CB3CC38D-6259-65E2-CF70-11968EA7B766}"/>
+          <p:cNvPr id="12" name="그림 11">
+            <a:extLst>
+              <a:ext uri="{FF2B5EF4-FFF2-40B4-BE49-F238E27FC236}">
+                <a16:creationId xmlns:a16="http://schemas.microsoft.com/office/drawing/2014/main" id="{E50249C0-0C71-9C8A-1C5C-1AF19C6AA70C}"/>
               </a:ext>
             </a:extLst>
           </p:cNvPr>
@@ -7264,13 +7323,14 @@
         </p:nvPicPr>
         <p:blipFill>
           <a:blip r:embed="rId4"/>
-          <a:srcRect b="17074"/>
-          <a:stretch/>
+          <a:stretch>
+            <a:fillRect/>
+          </a:stretch>
         </p:blipFill>
         <p:spPr>
           <a:xfrm>
-            <a:off x="2128211" y="2600438"/>
-            <a:ext cx="4496427" cy="1137573"/>
+            <a:off x="2612225" y="2822327"/>
+            <a:ext cx="4210638" cy="952633"/>
           </a:xfrm>
           <a:prstGeom prst="rect">
             <a:avLst/>
